--- a/Materi/1-HTML-Keynote.pptx
+++ b/Materi/1-HTML-Keynote.pptx
@@ -316,6 +316,11 @@
       </a:defRPr>
     </a:lvl9pPr>
   </p:defaultTextStyle>
+  <p:extLst>
+    <p:ext uri="{EFAFB233-063F-42B5-8137-9DF3F51BA10A}">
+      <p15:sldGuideLst xmlns:p15="http://schemas.microsoft.com/office/powerpoint/2012/main"/>
+    </p:ext>
+  </p:extLst>
 </p:presentation>
 </file>
 
@@ -3316,6 +3321,129 @@
           </a:p>
         </p:txBody>
       </p:sp>
+      <p:sp>
+        <p:nvSpPr>
+          <p:cNvPr id="2" name="TextBox 1"/>
+          <p:cNvSpPr txBox="1"/>
+          <p:nvPr/>
+        </p:nvSpPr>
+        <p:spPr>
+          <a:xfrm>
+            <a:off x="717194" y="4673797"/>
+            <a:ext cx="10284867" cy="1210588"/>
+          </a:xfrm>
+          <a:prstGeom prst="rect">
+            <a:avLst/>
+          </a:prstGeom>
+          <a:noFill/>
+          <a:ln w="12700" cap="flat">
+            <a:noFill/>
+            <a:miter lim="400000"/>
+          </a:ln>
+          <a:effectLst/>
+          <a:sp3d/>
+        </p:spPr>
+        <p:style>
+          <a:lnRef idx="0">
+            <a:scrgbClr r="0" g="0" b="0"/>
+          </a:lnRef>
+          <a:fillRef idx="0">
+            <a:scrgbClr r="0" g="0" b="0"/>
+          </a:fillRef>
+          <a:effectRef idx="0">
+            <a:scrgbClr r="0" g="0" b="0"/>
+          </a:effectRef>
+          <a:fontRef idx="none"/>
+        </p:style>
+        <p:txBody>
+          <a:bodyPr rot="0" spcFirstLastPara="1" vertOverflow="overflow" horzOverflow="overflow" vert="horz" wrap="none" lIns="50800" tIns="50800" rIns="50800" bIns="50800" numCol="1" spcCol="38100" rtlCol="0" anchor="ctr">
+            <a:spAutoFit/>
+          </a:bodyPr>
+          <a:lstStyle/>
+          <a:p>
+            <a:pPr marL="0" marR="0" indent="0" algn="ctr" defTabSz="584200" rtl="0" fontAlgn="auto" latinLnBrk="0" hangingPunct="0">
+              <a:lnSpc>
+                <a:spcPct val="100000"/>
+              </a:lnSpc>
+              <a:spcBef>
+                <a:spcPts val="0"/>
+              </a:spcBef>
+              <a:spcAft>
+                <a:spcPts val="0"/>
+              </a:spcAft>
+              <a:buClrTx/>
+              <a:buSzTx/>
+              <a:buFontTx/>
+              <a:buNone/>
+              <a:tabLst/>
+            </a:pPr>
+            <a:r>
+              <a:rPr lang="en-US" dirty="0" err="1" smtClean="0"/>
+              <a:t>Menggunakan</a:t>
+            </a:r>
+            <a:r>
+              <a:rPr lang="en-US" dirty="0" smtClean="0"/>
+              <a:t> brackets IDE </a:t>
+            </a:r>
+            <a:r>
+              <a:rPr lang="en-US" dirty="0" err="1" smtClean="0"/>
+              <a:t>dengan</a:t>
+            </a:r>
+            <a:r>
+              <a:rPr lang="en-US" dirty="0" smtClean="0"/>
+              <a:t> </a:t>
+            </a:r>
+            <a:r>
+              <a:rPr lang="en-US" dirty="0" err="1" smtClean="0"/>
+              <a:t>keuntungan</a:t>
+            </a:r>
+            <a:r>
+              <a:rPr lang="en-US" dirty="0" smtClean="0"/>
+              <a:t> </a:t>
+            </a:r>
+          </a:p>
+          <a:p>
+            <a:pPr marL="0" marR="0" indent="0" algn="l" defTabSz="584200" rtl="0" fontAlgn="auto" latinLnBrk="0" hangingPunct="0">
+              <a:lnSpc>
+                <a:spcPct val="100000"/>
+              </a:lnSpc>
+              <a:spcBef>
+                <a:spcPts val="0"/>
+              </a:spcBef>
+              <a:spcAft>
+                <a:spcPts val="0"/>
+              </a:spcAft>
+              <a:buClrTx/>
+              <a:buSzTx/>
+              <a:buFontTx/>
+              <a:buNone/>
+              <a:tabLst/>
+            </a:pPr>
+            <a:r>
+              <a:rPr lang="en-US" dirty="0" err="1" smtClean="0"/>
+              <a:t>menggunakan</a:t>
+            </a:r>
+            <a:r>
+              <a:rPr lang="en-US" dirty="0" smtClean="0"/>
+              <a:t> Live Preview</a:t>
+            </a:r>
+            <a:endParaRPr kumimoji="0" lang="en-US" sz="3600" b="0" i="0" u="none" strike="noStrike" cap="none" spc="0" normalizeH="0" baseline="0" dirty="0">
+              <a:ln>
+                <a:noFill/>
+              </a:ln>
+              <a:solidFill>
+                <a:srgbClr val="000000"/>
+              </a:solidFill>
+              <a:effectLst/>
+              <a:uFillTx/>
+              <a:latin typeface="+mn-lt"/>
+              <a:ea typeface="+mn-ea"/>
+              <a:cs typeface="+mn-cs"/>
+              <a:sym typeface="Helvetica Light"/>
+            </a:endParaRPr>
+          </a:p>
+        </p:txBody>
+      </p:sp>
     </p:spTree>
   </p:cSld>
   <p:clrMapOvr>
